--- a/presentations/kh_mb_cm_presentation .pptx
+++ b/presentations/kh_mb_cm_presentation .pptx
@@ -1093,12 +1093,12 @@
           </a:ln>
           <a:extLst>
             <a:ext uri="{909E8E84-426E-40dd-AFC4-6F175D3DCCD1}">
-              <a14:hiddenFill xmlns="" xmlns:a14="http://schemas.microsoft.com/office/drawing/2010/main">
+              <a14:hiddenFill xmlns:a14="http://schemas.microsoft.com/office/drawing/2010/main" xmlns="">
                 <a:noFill/>
               </a14:hiddenFill>
             </a:ext>
             <a:ext uri="{91240B29-F687-4f45-9708-019B960494DF}">
-              <a14:hiddenLine xmlns="" xmlns:a14="http://schemas.microsoft.com/office/drawing/2010/main" w="9525">
+              <a14:hiddenLine xmlns:a14="http://schemas.microsoft.com/office/drawing/2010/main" xmlns="" w="9525">
                 <a:solidFill>
                   <a:srgbClr val="000000"/>
                 </a:solidFill>
@@ -1143,12 +1143,12 @@
           </a:ln>
           <a:extLst>
             <a:ext uri="{909E8E84-426E-40dd-AFC4-6F175D3DCCD1}">
-              <a14:hiddenFill xmlns="" xmlns:a14="http://schemas.microsoft.com/office/drawing/2010/main">
+              <a14:hiddenFill xmlns:a14="http://schemas.microsoft.com/office/drawing/2010/main" xmlns="">
                 <a:noFill/>
               </a14:hiddenFill>
             </a:ext>
             <a:ext uri="{91240B29-F687-4f45-9708-019B960494DF}">
-              <a14:hiddenLine xmlns="" xmlns:a14="http://schemas.microsoft.com/office/drawing/2010/main" w="9525">
+              <a14:hiddenLine xmlns:a14="http://schemas.microsoft.com/office/drawing/2010/main" xmlns="" w="9525">
                 <a:solidFill>
                   <a:srgbClr val="000000"/>
                 </a:solidFill>
@@ -1611,7 +1611,7 @@
         </p:nvSpPr>
         <p:spPr>
           <a:xfrm>
-            <a:off x="3768847" y="464563"/>
+            <a:off x="3768847" y="80627"/>
             <a:ext cx="16849479" cy="1785104"/>
           </a:xfrm>
           <a:prstGeom prst="rect">
@@ -1690,8 +1690,8 @@
         </p:nvSpPr>
         <p:spPr>
           <a:xfrm>
-            <a:off x="14310005" y="2249667"/>
-            <a:ext cx="9224682" cy="10618291"/>
+            <a:off x="14310005" y="1964013"/>
+            <a:ext cx="9224682" cy="10987623"/>
           </a:xfrm>
           <a:prstGeom prst="rect">
             <a:avLst/>
@@ -1731,7 +1731,7 @@
               <a:buFontTx/>
               <a:buChar char="-"/>
             </a:pPr>
-            <a:endParaRPr lang="en-US" dirty="0"/>
+            <a:endParaRPr lang="en-US" sz="1200" dirty="0"/>
           </a:p>
           <a:p>
             <a:pPr marL="571500" indent="-571500">
@@ -1740,7 +1740,15 @@
             </a:pPr>
             <a:r>
               <a:rPr lang="en-US" dirty="0"/>
-              <a:t>Linking the data to a database &amp; Flask, this ended up being a monumental challenge that I couldn’t complete. A variety of methods were attempted including:</a:t>
+              <a:t>Linking the data to a database &amp; Flask, this ended up being a monumental challenge that took a team effort to achieve, </a:t>
+            </a:r>
+            <a:r>
+              <a:rPr lang="en-US" dirty="0" err="1"/>
+              <a:t>finalised</a:t>
+            </a:r>
+            <a:r>
+              <a:rPr lang="en-US" dirty="0"/>
+              <a:t> by Kevin. A variety of methods were attempted including:</a:t>
             </a:r>
           </a:p>
           <a:p>
@@ -1807,9 +1815,13 @@
           </a:p>
           <a:p>
             <a:pPr lvl="1"/>
+            <a:endParaRPr lang="en-US" sz="1200" dirty="0"/>
+          </a:p>
+          <a:p>
+            <a:pPr lvl="1"/>
             <a:r>
               <a:rPr lang="en-US" dirty="0"/>
-              <a:t>* In the end, time and inexperience proved to be the limiting factors</a:t>
+              <a:t>In the end, time and inexperience proved to be the limiting factors</a:t>
             </a:r>
           </a:p>
         </p:txBody>
@@ -2804,7 +2816,7 @@
             <a:effectLst/>
             <a:extLst>
               <a:ext uri="{C572A759-6A51-4108-AA02-DFA0A04FC94B}">
-                <ma14:wrappingTextBoxFlag xmlns:ma14="http://schemas.microsoft.com/office/mac/drawingml/2011/main" xmlns="" val="1"/>
+                <ma14:wrappingTextBoxFlag xmlns="" xmlns:ma14="http://schemas.microsoft.com/office/mac/drawingml/2011/main" val="1"/>
               </a:ext>
             </a:extLst>
           </p:spPr>
@@ -2875,7 +2887,7 @@
             <a:effectLst/>
             <a:extLst>
               <a:ext uri="{C572A759-6A51-4108-AA02-DFA0A04FC94B}">
-                <ma14:wrappingTextBoxFlag xmlns:ma14="http://schemas.microsoft.com/office/mac/drawingml/2011/main" xmlns="" val="1"/>
+                <ma14:wrappingTextBoxFlag xmlns="" xmlns:ma14="http://schemas.microsoft.com/office/mac/drawingml/2011/main" val="1"/>
               </a:ext>
             </a:extLst>
           </p:spPr>
@@ -2946,7 +2958,7 @@
             <a:effectLst/>
             <a:extLst>
               <a:ext uri="{C572A759-6A51-4108-AA02-DFA0A04FC94B}">
-                <ma14:wrappingTextBoxFlag xmlns:ma14="http://schemas.microsoft.com/office/mac/drawingml/2011/main" xmlns="" val="1"/>
+                <ma14:wrappingTextBoxFlag xmlns="" xmlns:ma14="http://schemas.microsoft.com/office/mac/drawingml/2011/main" val="1"/>
               </a:ext>
             </a:extLst>
           </p:spPr>
@@ -3017,7 +3029,7 @@
             <a:effectLst/>
             <a:extLst>
               <a:ext uri="{C572A759-6A51-4108-AA02-DFA0A04FC94B}">
-                <ma14:wrappingTextBoxFlag xmlns:ma14="http://schemas.microsoft.com/office/mac/drawingml/2011/main" xmlns="" val="1"/>
+                <ma14:wrappingTextBoxFlag xmlns="" xmlns:ma14="http://schemas.microsoft.com/office/mac/drawingml/2011/main" val="1"/>
               </a:ext>
             </a:extLst>
           </p:spPr>
@@ -3088,7 +3100,7 @@
             <a:effectLst/>
             <a:extLst>
               <a:ext uri="{C572A759-6A51-4108-AA02-DFA0A04FC94B}">
-                <ma14:wrappingTextBoxFlag xmlns:ma14="http://schemas.microsoft.com/office/mac/drawingml/2011/main" xmlns="" val="1"/>
+                <ma14:wrappingTextBoxFlag xmlns="" xmlns:ma14="http://schemas.microsoft.com/office/mac/drawingml/2011/main" val="1"/>
               </a:ext>
             </a:extLst>
           </p:spPr>
@@ -3148,7 +3160,7 @@
             <a:effectLst/>
             <a:extLst>
               <a:ext uri="{C572A759-6A51-4108-AA02-DFA0A04FC94B}">
-                <ma14:wrappingTextBoxFlag xmlns:ma14="http://schemas.microsoft.com/office/mac/drawingml/2011/main" xmlns="" val="1"/>
+                <ma14:wrappingTextBoxFlag xmlns="" xmlns:ma14="http://schemas.microsoft.com/office/mac/drawingml/2011/main" val="1"/>
               </a:ext>
             </a:extLst>
           </p:spPr>
@@ -3219,7 +3231,7 @@
             <a:effectLst/>
             <a:extLst>
               <a:ext uri="{C572A759-6A51-4108-AA02-DFA0A04FC94B}">
-                <ma14:wrappingTextBoxFlag xmlns:ma14="http://schemas.microsoft.com/office/mac/drawingml/2011/main" xmlns="" val="1"/>
+                <ma14:wrappingTextBoxFlag xmlns="" xmlns:ma14="http://schemas.microsoft.com/office/mac/drawingml/2011/main" val="1"/>
               </a:ext>
             </a:extLst>
           </p:spPr>
@@ -3290,7 +3302,7 @@
             <a:effectLst/>
             <a:extLst>
               <a:ext uri="{C572A759-6A51-4108-AA02-DFA0A04FC94B}">
-                <ma14:wrappingTextBoxFlag xmlns:ma14="http://schemas.microsoft.com/office/mac/drawingml/2011/main" xmlns="" val="1"/>
+                <ma14:wrappingTextBoxFlag xmlns="" xmlns:ma14="http://schemas.microsoft.com/office/mac/drawingml/2011/main" val="1"/>
               </a:ext>
             </a:extLst>
           </p:spPr>
@@ -3361,7 +3373,7 @@
             <a:effectLst/>
             <a:extLst>
               <a:ext uri="{C572A759-6A51-4108-AA02-DFA0A04FC94B}">
-                <ma14:wrappingTextBoxFlag xmlns:ma14="http://schemas.microsoft.com/office/mac/drawingml/2011/main" xmlns="" val="1"/>
+                <ma14:wrappingTextBoxFlag xmlns="" xmlns:ma14="http://schemas.microsoft.com/office/mac/drawingml/2011/main" val="1"/>
               </a:ext>
             </a:extLst>
           </p:spPr>
@@ -3432,7 +3444,7 @@
             <a:effectLst/>
             <a:extLst>
               <a:ext uri="{C572A759-6A51-4108-AA02-DFA0A04FC94B}">
-                <ma14:wrappingTextBoxFlag xmlns:ma14="http://schemas.microsoft.com/office/mac/drawingml/2011/main" xmlns="" val="1"/>
+                <ma14:wrappingTextBoxFlag xmlns="" xmlns:ma14="http://schemas.microsoft.com/office/mac/drawingml/2011/main" val="1"/>
               </a:ext>
             </a:extLst>
           </p:spPr>
@@ -3503,7 +3515,7 @@
             <a:effectLst/>
             <a:extLst>
               <a:ext uri="{C572A759-6A51-4108-AA02-DFA0A04FC94B}">
-                <ma14:wrappingTextBoxFlag xmlns:ma14="http://schemas.microsoft.com/office/mac/drawingml/2011/main" xmlns="" val="1"/>
+                <ma14:wrappingTextBoxFlag xmlns="" xmlns:ma14="http://schemas.microsoft.com/office/mac/drawingml/2011/main" val="1"/>
               </a:ext>
             </a:extLst>
           </p:spPr>
@@ -3581,7 +3593,7 @@
           <a:effectLst/>
           <a:extLst>
             <a:ext uri="{C572A759-6A51-4108-AA02-DFA0A04FC94B}">
-              <ma14:wrappingTextBoxFlag xmlns:ma14="http://schemas.microsoft.com/office/mac/drawingml/2011/main" xmlns="" val="1"/>
+              <ma14:wrappingTextBoxFlag xmlns="" xmlns:ma14="http://schemas.microsoft.com/office/mac/drawingml/2011/main" val="1"/>
             </a:ext>
           </a:extLst>
         </p:spPr>
@@ -3658,7 +3670,7 @@
           <a:effectLst/>
           <a:extLst>
             <a:ext uri="{C572A759-6A51-4108-AA02-DFA0A04FC94B}">
-              <ma14:wrappingTextBoxFlag xmlns:ma14="http://schemas.microsoft.com/office/mac/drawingml/2011/main" xmlns="" val="1"/>
+              <ma14:wrappingTextBoxFlag xmlns="" xmlns:ma14="http://schemas.microsoft.com/office/mac/drawingml/2011/main" val="1"/>
             </a:ext>
           </a:extLst>
         </p:spPr>

--- a/presentations/kh_mb_cm_presentation .pptx
+++ b/presentations/kh_mb_cm_presentation .pptx
@@ -222,7 +222,7 @@
           <a:p>
             <a:fld id="{52CFFC7C-0376-E44D-ACA0-D60DC10B59F7}" type="datetimeFigureOut">
               <a:rPr lang="en-US" smtClean="0"/>
-              <a:t>11/23/21</a:t>
+              <a:t>11/23/2021</a:t>
             </a:fld>
             <a:endParaRPr lang="en-US"/>
           </a:p>
@@ -1093,12 +1093,12 @@
           </a:ln>
           <a:extLst>
             <a:ext uri="{909E8E84-426E-40dd-AFC4-6F175D3DCCD1}">
-              <a14:hiddenFill xmlns:a14="http://schemas.microsoft.com/office/drawing/2010/main" xmlns="">
+              <a14:hiddenFill xmlns="" xmlns:a14="http://schemas.microsoft.com/office/drawing/2010/main">
                 <a:noFill/>
               </a14:hiddenFill>
             </a:ext>
             <a:ext uri="{91240B29-F687-4f45-9708-019B960494DF}">
-              <a14:hiddenLine xmlns:a14="http://schemas.microsoft.com/office/drawing/2010/main" xmlns="" w="9525">
+              <a14:hiddenLine xmlns="" xmlns:a14="http://schemas.microsoft.com/office/drawing/2010/main" w="9525">
                 <a:solidFill>
                   <a:srgbClr val="000000"/>
                 </a:solidFill>
@@ -1143,12 +1143,12 @@
           </a:ln>
           <a:extLst>
             <a:ext uri="{909E8E84-426E-40dd-AFC4-6F175D3DCCD1}">
-              <a14:hiddenFill xmlns:a14="http://schemas.microsoft.com/office/drawing/2010/main" xmlns="">
+              <a14:hiddenFill xmlns="" xmlns:a14="http://schemas.microsoft.com/office/drawing/2010/main">
                 <a:noFill/>
               </a14:hiddenFill>
             </a:ext>
             <a:ext uri="{91240B29-F687-4f45-9708-019B960494DF}">
-              <a14:hiddenLine xmlns:a14="http://schemas.microsoft.com/office/drawing/2010/main" xmlns="" w="9525">
+              <a14:hiddenLine xmlns="" xmlns:a14="http://schemas.microsoft.com/office/drawing/2010/main" w="9525">
                 <a:solidFill>
                   <a:srgbClr val="000000"/>
                 </a:solidFill>
@@ -1490,7 +1490,7 @@
           <a:p>
             <a:r>
               <a:rPr lang="en-US" dirty="0"/>
-              <a:t>Background images were tried out many times and added via the use off CSS</a:t>
+              <a:t>Background images were tried out many times and added via the use of CSS</a:t>
             </a:r>
           </a:p>
         </p:txBody>
@@ -1740,15 +1740,7 @@
             </a:pPr>
             <a:r>
               <a:rPr lang="en-US" dirty="0"/>
-              <a:t>Linking the data to a database &amp; Flask, this ended up being a monumental challenge that took a team effort to achieve, </a:t>
-            </a:r>
-            <a:r>
-              <a:rPr lang="en-US" dirty="0" err="1"/>
-              <a:t>finalised</a:t>
-            </a:r>
-            <a:r>
-              <a:rPr lang="en-US" dirty="0"/>
-              <a:t> by Kevin. A variety of methods were attempted including:</a:t>
+              <a:t>Linking the data to a database &amp; Flask, this ended up being a monumental challenge that took a team effort to achieve, finalised by Kevin. A variety of methods were attempted including:</a:t>
             </a:r>
           </a:p>
           <a:p>
@@ -1757,12 +1749,8 @@
               <a:buChar char="-"/>
             </a:pPr>
             <a:r>
-              <a:rPr lang="en-US" dirty="0" err="1"/>
-              <a:t>Mimicing</a:t>
-            </a:r>
-            <a:r>
               <a:rPr lang="en-US" dirty="0"/>
-              <a:t> the </a:t>
+              <a:t>Mimicking the </a:t>
             </a:r>
             <a:r>
               <a:rPr lang="en-US" dirty="0" err="1"/>
@@ -2816,7 +2804,7 @@
             <a:effectLst/>
             <a:extLst>
               <a:ext uri="{C572A759-6A51-4108-AA02-DFA0A04FC94B}">
-                <ma14:wrappingTextBoxFlag xmlns="" xmlns:ma14="http://schemas.microsoft.com/office/mac/drawingml/2011/main" val="1"/>
+                <ma14:wrappingTextBoxFlag xmlns:ma14="http://schemas.microsoft.com/office/mac/drawingml/2011/main" xmlns="" val="1"/>
               </a:ext>
             </a:extLst>
           </p:spPr>
@@ -2887,7 +2875,7 @@
             <a:effectLst/>
             <a:extLst>
               <a:ext uri="{C572A759-6A51-4108-AA02-DFA0A04FC94B}">
-                <ma14:wrappingTextBoxFlag xmlns="" xmlns:ma14="http://schemas.microsoft.com/office/mac/drawingml/2011/main" val="1"/>
+                <ma14:wrappingTextBoxFlag xmlns:ma14="http://schemas.microsoft.com/office/mac/drawingml/2011/main" xmlns="" val="1"/>
               </a:ext>
             </a:extLst>
           </p:spPr>
@@ -2958,7 +2946,7 @@
             <a:effectLst/>
             <a:extLst>
               <a:ext uri="{C572A759-6A51-4108-AA02-DFA0A04FC94B}">
-                <ma14:wrappingTextBoxFlag xmlns="" xmlns:ma14="http://schemas.microsoft.com/office/mac/drawingml/2011/main" val="1"/>
+                <ma14:wrappingTextBoxFlag xmlns:ma14="http://schemas.microsoft.com/office/mac/drawingml/2011/main" xmlns="" val="1"/>
               </a:ext>
             </a:extLst>
           </p:spPr>
@@ -3029,7 +3017,7 @@
             <a:effectLst/>
             <a:extLst>
               <a:ext uri="{C572A759-6A51-4108-AA02-DFA0A04FC94B}">
-                <ma14:wrappingTextBoxFlag xmlns="" xmlns:ma14="http://schemas.microsoft.com/office/mac/drawingml/2011/main" val="1"/>
+                <ma14:wrappingTextBoxFlag xmlns:ma14="http://schemas.microsoft.com/office/mac/drawingml/2011/main" xmlns="" val="1"/>
               </a:ext>
             </a:extLst>
           </p:spPr>
@@ -3100,7 +3088,7 @@
             <a:effectLst/>
             <a:extLst>
               <a:ext uri="{C572A759-6A51-4108-AA02-DFA0A04FC94B}">
-                <ma14:wrappingTextBoxFlag xmlns="" xmlns:ma14="http://schemas.microsoft.com/office/mac/drawingml/2011/main" val="1"/>
+                <ma14:wrappingTextBoxFlag xmlns:ma14="http://schemas.microsoft.com/office/mac/drawingml/2011/main" xmlns="" val="1"/>
               </a:ext>
             </a:extLst>
           </p:spPr>
@@ -3160,7 +3148,7 @@
             <a:effectLst/>
             <a:extLst>
               <a:ext uri="{C572A759-6A51-4108-AA02-DFA0A04FC94B}">
-                <ma14:wrappingTextBoxFlag xmlns="" xmlns:ma14="http://schemas.microsoft.com/office/mac/drawingml/2011/main" val="1"/>
+                <ma14:wrappingTextBoxFlag xmlns:ma14="http://schemas.microsoft.com/office/mac/drawingml/2011/main" xmlns="" val="1"/>
               </a:ext>
             </a:extLst>
           </p:spPr>
@@ -3231,7 +3219,7 @@
             <a:effectLst/>
             <a:extLst>
               <a:ext uri="{C572A759-6A51-4108-AA02-DFA0A04FC94B}">
-                <ma14:wrappingTextBoxFlag xmlns="" xmlns:ma14="http://schemas.microsoft.com/office/mac/drawingml/2011/main" val="1"/>
+                <ma14:wrappingTextBoxFlag xmlns:ma14="http://schemas.microsoft.com/office/mac/drawingml/2011/main" xmlns="" val="1"/>
               </a:ext>
             </a:extLst>
           </p:spPr>
@@ -3302,7 +3290,7 @@
             <a:effectLst/>
             <a:extLst>
               <a:ext uri="{C572A759-6A51-4108-AA02-DFA0A04FC94B}">
-                <ma14:wrappingTextBoxFlag xmlns="" xmlns:ma14="http://schemas.microsoft.com/office/mac/drawingml/2011/main" val="1"/>
+                <ma14:wrappingTextBoxFlag xmlns:ma14="http://schemas.microsoft.com/office/mac/drawingml/2011/main" xmlns="" val="1"/>
               </a:ext>
             </a:extLst>
           </p:spPr>
@@ -3373,7 +3361,7 @@
             <a:effectLst/>
             <a:extLst>
               <a:ext uri="{C572A759-6A51-4108-AA02-DFA0A04FC94B}">
-                <ma14:wrappingTextBoxFlag xmlns="" xmlns:ma14="http://schemas.microsoft.com/office/mac/drawingml/2011/main" val="1"/>
+                <ma14:wrappingTextBoxFlag xmlns:ma14="http://schemas.microsoft.com/office/mac/drawingml/2011/main" xmlns="" val="1"/>
               </a:ext>
             </a:extLst>
           </p:spPr>
@@ -3444,7 +3432,7 @@
             <a:effectLst/>
             <a:extLst>
               <a:ext uri="{C572A759-6A51-4108-AA02-DFA0A04FC94B}">
-                <ma14:wrappingTextBoxFlag xmlns="" xmlns:ma14="http://schemas.microsoft.com/office/mac/drawingml/2011/main" val="1"/>
+                <ma14:wrappingTextBoxFlag xmlns:ma14="http://schemas.microsoft.com/office/mac/drawingml/2011/main" xmlns="" val="1"/>
               </a:ext>
             </a:extLst>
           </p:spPr>
@@ -3515,7 +3503,7 @@
             <a:effectLst/>
             <a:extLst>
               <a:ext uri="{C572A759-6A51-4108-AA02-DFA0A04FC94B}">
-                <ma14:wrappingTextBoxFlag xmlns="" xmlns:ma14="http://schemas.microsoft.com/office/mac/drawingml/2011/main" val="1"/>
+                <ma14:wrappingTextBoxFlag xmlns:ma14="http://schemas.microsoft.com/office/mac/drawingml/2011/main" xmlns="" val="1"/>
               </a:ext>
             </a:extLst>
           </p:spPr>
@@ -3593,7 +3581,7 @@
           <a:effectLst/>
           <a:extLst>
             <a:ext uri="{C572A759-6A51-4108-AA02-DFA0A04FC94B}">
-              <ma14:wrappingTextBoxFlag xmlns="" xmlns:ma14="http://schemas.microsoft.com/office/mac/drawingml/2011/main" val="1"/>
+              <ma14:wrappingTextBoxFlag xmlns:ma14="http://schemas.microsoft.com/office/mac/drawingml/2011/main" xmlns="" val="1"/>
             </a:ext>
           </a:extLst>
         </p:spPr>
@@ -3670,7 +3658,7 @@
           <a:effectLst/>
           <a:extLst>
             <a:ext uri="{C572A759-6A51-4108-AA02-DFA0A04FC94B}">
-              <ma14:wrappingTextBoxFlag xmlns="" xmlns:ma14="http://schemas.microsoft.com/office/mac/drawingml/2011/main" val="1"/>
+              <ma14:wrappingTextBoxFlag xmlns:ma14="http://schemas.microsoft.com/office/mac/drawingml/2011/main" xmlns="" val="1"/>
             </a:ext>
           </a:extLst>
         </p:spPr>
@@ -5360,7 +5348,7 @@
         <p:spPr>
           <a:xfrm>
             <a:off x="1897807" y="2904254"/>
-            <a:ext cx="18581146" cy="1425262"/>
+            <a:ext cx="18581146" cy="1886927"/>
           </a:xfrm>
           <a:prstGeom prst="rect">
             <a:avLst/>
@@ -5386,7 +5374,7 @@
                 <a:ea typeface="Montserrat Light" charset="0"/>
                 <a:cs typeface="Montserrat Light" charset="0"/>
               </a:rPr>
-              <a:t>Connect Heroku to the </a:t>
+              <a:t>Create </a:t>
             </a:r>
             <a:r>
               <a:rPr lang="en-US" sz="2000" dirty="0" err="1">
@@ -5394,7 +5382,7 @@
                 <a:ea typeface="Montserrat Light" charset="0"/>
                 <a:cs typeface="Montserrat Light" charset="0"/>
               </a:rPr>
-              <a:t>Github</a:t>
+              <a:t>procfile</a:t>
             </a:r>
             <a:r>
               <a:rPr lang="en-US" sz="2000" dirty="0">
@@ -5402,7 +5390,7 @@
                 <a:ea typeface="Montserrat Light" charset="0"/>
                 <a:cs typeface="Montserrat Light" charset="0"/>
               </a:rPr>
-              <a:t> page</a:t>
+              <a:t> and requirements file</a:t>
             </a:r>
           </a:p>
           <a:p>
@@ -5419,7 +5407,23 @@
                 <a:ea typeface="Montserrat Light" charset="0"/>
                 <a:cs typeface="Montserrat Light" charset="0"/>
               </a:rPr>
-              <a:t>Select manually deploy</a:t>
+              <a:t>Connect Heroku to the </a:t>
+            </a:r>
+            <a:r>
+              <a:rPr lang="en-US" sz="2000" dirty="0" err="1">
+                <a:latin typeface="Montserrat Light" charset="0"/>
+                <a:ea typeface="Montserrat Light" charset="0"/>
+                <a:cs typeface="Montserrat Light" charset="0"/>
+              </a:rPr>
+              <a:t>Github</a:t>
+            </a:r>
+            <a:r>
+              <a:rPr lang="en-US" sz="2000" dirty="0">
+                <a:latin typeface="Montserrat Light" charset="0"/>
+                <a:ea typeface="Montserrat Light" charset="0"/>
+                <a:cs typeface="Montserrat Light" charset="0"/>
+              </a:rPr>
+              <a:t> page</a:t>
             </a:r>
           </a:p>
           <a:p>
@@ -5436,7 +5440,24 @@
                 <a:ea typeface="Montserrat Light" charset="0"/>
                 <a:cs typeface="Montserrat Light" charset="0"/>
               </a:rPr>
-              <a:t>Check for Application Logs to check errors in deployment</a:t>
+              <a:t>Select manually deploy</a:t>
+            </a:r>
+          </a:p>
+          <a:p>
+            <a:pPr marL="342900" indent="-342900">
+              <a:lnSpc>
+                <a:spcPct val="150000"/>
+              </a:lnSpc>
+              <a:buFont typeface="Arial" panose="020B0604020202020204" pitchFamily="34" charset="0"/>
+              <a:buChar char="•"/>
+            </a:pPr>
+            <a:r>
+              <a:rPr lang="en-US" sz="2000" dirty="0">
+                <a:latin typeface="Montserrat Light" charset="0"/>
+                <a:ea typeface="Montserrat Light" charset="0"/>
+                <a:cs typeface="Montserrat Light" charset="0"/>
+              </a:rPr>
+              <a:t>Check Application Logs for errors in deployment</a:t>
             </a:r>
           </a:p>
         </p:txBody>
